--- a/plot/3.3 trend-nw.pptx
+++ b/plot/3.3 trend-nw.pptx
@@ -107,6 +107,11 @@
       </a:defRPr>
     </a:lvl9pPr>
   </p:defaultTextStyle>
+  <p:extLst>
+    <p:ext uri="{EFAFB233-063F-42B5-8137-9DF3F51BA10A}">
+      <p15:sldGuideLst xmlns:p15="http://schemas.microsoft.com/office/powerpoint/2012/main"/>
+    </p:ext>
+  </p:extLst>
 </p:presentation>
 </file>
 
@@ -8116,7 +8121,7 @@
           <a:p>
             <a:fld id="{67F084C0-E82A-1C43-868B-5C2DB04CF991}" type="datetimeFigureOut">
               <a:rPr lang="en-US" smtClean="0"/>
-              <a:t>3/4/21</a:t>
+              <a:t>3/8/21</a:t>
             </a:fld>
             <a:endParaRPr lang="en-US"/>
           </a:p>
@@ -8433,6 +8438,45 @@
           <a:bodyPr/>
           <a:lstStyle/>
           <a:p>
+            <a:pPr marL="228600" indent="-228600">
+              <a:buAutoNum type="arabicPeriod"/>
+            </a:pPr>
+            <a:r>
+              <a:rPr lang="en-US" dirty="0"/>
+              <a:t>Find the whale presence greater than 90%</a:t>
+            </a:r>
+          </a:p>
+          <a:p>
+            <a:pPr marL="228600" indent="-228600">
+              <a:buAutoNum type="arabicPeriod"/>
+            </a:pPr>
+            <a:r>
+              <a:rPr lang="en-US" dirty="0"/>
+              <a:t>Find maximum increasing rate at the local time period (rapid change)</a:t>
+            </a:r>
+          </a:p>
+          <a:p>
+            <a:pPr marL="228600" indent="-228600">
+              <a:buAutoNum type="arabicPeriod"/>
+            </a:pPr>
+            <a:r>
+              <a:rPr lang="en-US" dirty="0"/>
+              <a:t>Maximum decreasing rate</a:t>
+            </a:r>
+          </a:p>
+          <a:p>
+            <a:pPr marL="228600" indent="-228600">
+              <a:buAutoNum type="arabicPeriod"/>
+            </a:pPr>
+            <a:r>
+              <a:rPr lang="en-US" dirty="0"/>
+              <a:t>Time period in the middle – peak seasons</a:t>
+            </a:r>
+          </a:p>
+          <a:p>
+            <a:pPr marL="228600" indent="-228600">
+              <a:buAutoNum type="arabicPeriod"/>
+            </a:pPr>
             <a:endParaRPr lang="en-US" dirty="0"/>
           </a:p>
         </p:txBody>
@@ -8604,7 +8648,7 @@
           <a:p>
             <a:fld id="{AF033D3E-90B3-D942-91BE-BBE387F5124C}" type="datetimeFigureOut">
               <a:rPr lang="en-US" smtClean="0"/>
-              <a:t>3/4/21</a:t>
+              <a:t>3/8/21</a:t>
             </a:fld>
             <a:endParaRPr lang="en-US"/>
           </a:p>
@@ -8774,7 +8818,7 @@
           <a:p>
             <a:fld id="{AF033D3E-90B3-D942-91BE-BBE387F5124C}" type="datetimeFigureOut">
               <a:rPr lang="en-US" smtClean="0"/>
-              <a:t>3/4/21</a:t>
+              <a:t>3/8/21</a:t>
             </a:fld>
             <a:endParaRPr lang="en-US"/>
           </a:p>
@@ -8954,7 +8998,7 @@
           <a:p>
             <a:fld id="{AF033D3E-90B3-D942-91BE-BBE387F5124C}" type="datetimeFigureOut">
               <a:rPr lang="en-US" smtClean="0"/>
-              <a:t>3/4/21</a:t>
+              <a:t>3/8/21</a:t>
             </a:fld>
             <a:endParaRPr lang="en-US"/>
           </a:p>
@@ -9124,7 +9168,7 @@
           <a:p>
             <a:fld id="{AF033D3E-90B3-D942-91BE-BBE387F5124C}" type="datetimeFigureOut">
               <a:rPr lang="en-US" smtClean="0"/>
-              <a:t>3/4/21</a:t>
+              <a:t>3/8/21</a:t>
             </a:fld>
             <a:endParaRPr lang="en-US"/>
           </a:p>
@@ -9368,7 +9412,7 @@
           <a:p>
             <a:fld id="{AF033D3E-90B3-D942-91BE-BBE387F5124C}" type="datetimeFigureOut">
               <a:rPr lang="en-US" smtClean="0"/>
-              <a:t>3/4/21</a:t>
+              <a:t>3/8/21</a:t>
             </a:fld>
             <a:endParaRPr lang="en-US"/>
           </a:p>
@@ -9600,7 +9644,7 @@
           <a:p>
             <a:fld id="{AF033D3E-90B3-D942-91BE-BBE387F5124C}" type="datetimeFigureOut">
               <a:rPr lang="en-US" smtClean="0"/>
-              <a:t>3/4/21</a:t>
+              <a:t>3/8/21</a:t>
             </a:fld>
             <a:endParaRPr lang="en-US"/>
           </a:p>
@@ -9967,7 +10011,7 @@
           <a:p>
             <a:fld id="{AF033D3E-90B3-D942-91BE-BBE387F5124C}" type="datetimeFigureOut">
               <a:rPr lang="en-US" smtClean="0"/>
-              <a:t>3/4/21</a:t>
+              <a:t>3/8/21</a:t>
             </a:fld>
             <a:endParaRPr lang="en-US"/>
           </a:p>
@@ -10085,7 +10129,7 @@
           <a:p>
             <a:fld id="{AF033D3E-90B3-D942-91BE-BBE387F5124C}" type="datetimeFigureOut">
               <a:rPr lang="en-US" smtClean="0"/>
-              <a:t>3/4/21</a:t>
+              <a:t>3/8/21</a:t>
             </a:fld>
             <a:endParaRPr lang="en-US"/>
           </a:p>
@@ -10180,7 +10224,7 @@
           <a:p>
             <a:fld id="{AF033D3E-90B3-D942-91BE-BBE387F5124C}" type="datetimeFigureOut">
               <a:rPr lang="en-US" smtClean="0"/>
-              <a:t>3/4/21</a:t>
+              <a:t>3/8/21</a:t>
             </a:fld>
             <a:endParaRPr lang="en-US"/>
           </a:p>
@@ -10457,7 +10501,7 @@
           <a:p>
             <a:fld id="{AF033D3E-90B3-D942-91BE-BBE387F5124C}" type="datetimeFigureOut">
               <a:rPr lang="en-US" smtClean="0"/>
-              <a:t>3/4/21</a:t>
+              <a:t>3/8/21</a:t>
             </a:fld>
             <a:endParaRPr lang="en-US"/>
           </a:p>
@@ -10714,7 +10758,7 @@
           <a:p>
             <a:fld id="{AF033D3E-90B3-D942-91BE-BBE387F5124C}" type="datetimeFigureOut">
               <a:rPr lang="en-US" smtClean="0"/>
-              <a:t>3/4/21</a:t>
+              <a:t>3/8/21</a:t>
             </a:fld>
             <a:endParaRPr lang="en-US"/>
           </a:p>
@@ -10927,7 +10971,7 @@
           <a:p>
             <a:fld id="{AF033D3E-90B3-D942-91BE-BBE387F5124C}" type="datetimeFigureOut">
               <a:rPr lang="en-US" smtClean="0"/>
-              <a:t>3/4/21</a:t>
+              <a:t>3/8/21</a:t>
             </a:fld>
             <a:endParaRPr lang="en-US"/>
           </a:p>
@@ -18935,78 +18979,6 @@
       </p:pic>
       <p:pic>
         <p:nvPicPr>
-          <p:cNvPr id="216" name="Graphic 215" descr="Star with solid fill">
-            <a:extLst>
-              <a:ext uri="{FF2B5EF4-FFF2-40B4-BE49-F238E27FC236}">
-                <a16:creationId xmlns:a16="http://schemas.microsoft.com/office/drawing/2014/main" id="{0D707A58-1DEA-6D44-BBDA-741F6744C6DA}"/>
-              </a:ext>
-            </a:extLst>
-          </p:cNvPr>
-          <p:cNvPicPr>
-            <a:picLocks noChangeAspect="1"/>
-          </p:cNvPicPr>
-          <p:nvPr/>
-        </p:nvPicPr>
-        <p:blipFill>
-          <a:blip r:embed="rId16">
-            <a:extLst>
-              <a:ext uri="{96DAC541-7B7A-43D3-8B79-37D633B846F1}">
-                <asvg:svgBlip xmlns:asvg="http://schemas.microsoft.com/office/drawing/2016/SVG/main" r:embed="rId17"/>
-              </a:ext>
-            </a:extLst>
-          </a:blip>
-          <a:stretch>
-            <a:fillRect/>
-          </a:stretch>
-        </p:blipFill>
-        <p:spPr>
-          <a:xfrm>
-            <a:off x="6327225" y="7113363"/>
-            <a:ext cx="329084" cy="329084"/>
-          </a:xfrm>
-          <a:prstGeom prst="rect">
-            <a:avLst/>
-          </a:prstGeom>
-        </p:spPr>
-      </p:pic>
-      <p:pic>
-        <p:nvPicPr>
-          <p:cNvPr id="217" name="Graphic 216" descr="Star with solid fill">
-            <a:extLst>
-              <a:ext uri="{FF2B5EF4-FFF2-40B4-BE49-F238E27FC236}">
-                <a16:creationId xmlns:a16="http://schemas.microsoft.com/office/drawing/2014/main" id="{C2F4FB64-A5C7-9748-9930-A3CD7698FA80}"/>
-              </a:ext>
-            </a:extLst>
-          </p:cNvPr>
-          <p:cNvPicPr>
-            <a:picLocks noChangeAspect="1"/>
-          </p:cNvPicPr>
-          <p:nvPr/>
-        </p:nvPicPr>
-        <p:blipFill>
-          <a:blip r:embed="rId16">
-            <a:extLst>
-              <a:ext uri="{96DAC541-7B7A-43D3-8B79-37D633B846F1}">
-                <asvg:svgBlip xmlns:asvg="http://schemas.microsoft.com/office/drawing/2016/SVG/main" r:embed="rId17"/>
-              </a:ext>
-            </a:extLst>
-          </a:blip>
-          <a:stretch>
-            <a:fillRect/>
-          </a:stretch>
-        </p:blipFill>
-        <p:spPr>
-          <a:xfrm>
-            <a:off x="2873512" y="8969555"/>
-            <a:ext cx="304545" cy="283914"/>
-          </a:xfrm>
-          <a:prstGeom prst="rect">
-            <a:avLst/>
-          </a:prstGeom>
-        </p:spPr>
-      </p:pic>
-      <p:pic>
-        <p:nvPicPr>
           <p:cNvPr id="218" name="Graphic 217" descr="Star with solid fill">
             <a:extLst>
               <a:ext uri="{FF2B5EF4-FFF2-40B4-BE49-F238E27FC236}">
@@ -19071,42 +19043,6 @@
           <a:xfrm>
             <a:off x="666132" y="10822521"/>
             <a:ext cx="129367" cy="129367"/>
-          </a:xfrm>
-          <a:prstGeom prst="rect">
-            <a:avLst/>
-          </a:prstGeom>
-        </p:spPr>
-      </p:pic>
-      <p:pic>
-        <p:nvPicPr>
-          <p:cNvPr id="223" name="Graphic 222" descr="Question mark with solid fill">
-            <a:extLst>
-              <a:ext uri="{FF2B5EF4-FFF2-40B4-BE49-F238E27FC236}">
-                <a16:creationId xmlns:a16="http://schemas.microsoft.com/office/drawing/2014/main" id="{43B8485A-F336-B048-9223-6B57EC09AFA6}"/>
-              </a:ext>
-            </a:extLst>
-          </p:cNvPr>
-          <p:cNvPicPr>
-            <a:picLocks noChangeAspect="1"/>
-          </p:cNvPicPr>
-          <p:nvPr/>
-        </p:nvPicPr>
-        <p:blipFill>
-          <a:blip r:embed="rId18">
-            <a:extLst>
-              <a:ext uri="{96DAC541-7B7A-43D3-8B79-37D633B846F1}">
-                <asvg:svgBlip xmlns:asvg="http://schemas.microsoft.com/office/drawing/2016/SVG/main" r:embed="rId19"/>
-              </a:ext>
-            </a:extLst>
-          </a:blip>
-          <a:stretch>
-            <a:fillRect/>
-          </a:stretch>
-        </p:blipFill>
-        <p:spPr>
-          <a:xfrm>
-            <a:off x="847350" y="11273350"/>
-            <a:ext cx="218038" cy="218038"/>
           </a:xfrm>
           <a:prstGeom prst="rect">
             <a:avLst/>
@@ -19433,6 +19369,330 @@
           </a:p>
         </p:txBody>
       </p:sp>
+      <p:pic>
+        <p:nvPicPr>
+          <p:cNvPr id="196" name="Graphic 195" descr="Star with solid fill">
+            <a:extLst>
+              <a:ext uri="{FF2B5EF4-FFF2-40B4-BE49-F238E27FC236}">
+                <a16:creationId xmlns:a16="http://schemas.microsoft.com/office/drawing/2014/main" id="{8448FF5F-3EAF-5640-AD50-A4662085C1E3}"/>
+              </a:ext>
+            </a:extLst>
+          </p:cNvPr>
+          <p:cNvPicPr>
+            <a:picLocks noChangeAspect="1"/>
+          </p:cNvPicPr>
+          <p:nvPr/>
+        </p:nvPicPr>
+        <p:blipFill>
+          <a:blip r:embed="rId16">
+            <a:extLst>
+              <a:ext uri="{96DAC541-7B7A-43D3-8B79-37D633B846F1}">
+                <asvg:svgBlip xmlns:asvg="http://schemas.microsoft.com/office/drawing/2016/SVG/main" r:embed="rId17"/>
+              </a:ext>
+            </a:extLst>
+          </a:blip>
+          <a:stretch>
+            <a:fillRect/>
+          </a:stretch>
+        </p:blipFill>
+        <p:spPr>
+          <a:xfrm>
+            <a:off x="2848389" y="9106949"/>
+            <a:ext cx="129367" cy="129367"/>
+          </a:xfrm>
+          <a:prstGeom prst="rect">
+            <a:avLst/>
+          </a:prstGeom>
+        </p:spPr>
+      </p:pic>
+      <p:pic>
+        <p:nvPicPr>
+          <p:cNvPr id="197" name="Graphic 196" descr="Star with solid fill">
+            <a:extLst>
+              <a:ext uri="{FF2B5EF4-FFF2-40B4-BE49-F238E27FC236}">
+                <a16:creationId xmlns:a16="http://schemas.microsoft.com/office/drawing/2014/main" id="{4C574EA0-D24A-B84B-8B10-8DCB8B3D7F34}"/>
+              </a:ext>
+            </a:extLst>
+          </p:cNvPr>
+          <p:cNvPicPr>
+            <a:picLocks noChangeAspect="1"/>
+          </p:cNvPicPr>
+          <p:nvPr/>
+        </p:nvPicPr>
+        <p:blipFill>
+          <a:blip r:embed="rId16">
+            <a:extLst>
+              <a:ext uri="{96DAC541-7B7A-43D3-8B79-37D633B846F1}">
+                <asvg:svgBlip xmlns:asvg="http://schemas.microsoft.com/office/drawing/2016/SVG/main" r:embed="rId17"/>
+              </a:ext>
+            </a:extLst>
+          </a:blip>
+          <a:stretch>
+            <a:fillRect/>
+          </a:stretch>
+        </p:blipFill>
+        <p:spPr>
+          <a:xfrm>
+            <a:off x="2981836" y="9114135"/>
+            <a:ext cx="129367" cy="129367"/>
+          </a:xfrm>
+          <a:prstGeom prst="rect">
+            <a:avLst/>
+          </a:prstGeom>
+        </p:spPr>
+      </p:pic>
+      <p:pic>
+        <p:nvPicPr>
+          <p:cNvPr id="198" name="Graphic 197" descr="Star with solid fill">
+            <a:extLst>
+              <a:ext uri="{FF2B5EF4-FFF2-40B4-BE49-F238E27FC236}">
+                <a16:creationId xmlns:a16="http://schemas.microsoft.com/office/drawing/2014/main" id="{4DB263B3-52EB-5446-8F34-732FEAEF31E7}"/>
+              </a:ext>
+            </a:extLst>
+          </p:cNvPr>
+          <p:cNvPicPr>
+            <a:picLocks noChangeAspect="1"/>
+          </p:cNvPicPr>
+          <p:nvPr/>
+        </p:nvPicPr>
+        <p:blipFill>
+          <a:blip r:embed="rId16">
+            <a:extLst>
+              <a:ext uri="{96DAC541-7B7A-43D3-8B79-37D633B846F1}">
+                <asvg:svgBlip xmlns:asvg="http://schemas.microsoft.com/office/drawing/2016/SVG/main" r:embed="rId17"/>
+              </a:ext>
+            </a:extLst>
+          </a:blip>
+          <a:stretch>
+            <a:fillRect/>
+          </a:stretch>
+        </p:blipFill>
+        <p:spPr>
+          <a:xfrm>
+            <a:off x="3112787" y="9117266"/>
+            <a:ext cx="129367" cy="129367"/>
+          </a:xfrm>
+          <a:prstGeom prst="rect">
+            <a:avLst/>
+          </a:prstGeom>
+        </p:spPr>
+      </p:pic>
+      <p:pic>
+        <p:nvPicPr>
+          <p:cNvPr id="199" name="Graphic 198" descr="Star with solid fill">
+            <a:extLst>
+              <a:ext uri="{FF2B5EF4-FFF2-40B4-BE49-F238E27FC236}">
+                <a16:creationId xmlns:a16="http://schemas.microsoft.com/office/drawing/2014/main" id="{0DBD5814-F85A-1A4B-867E-07FB3999402B}"/>
+              </a:ext>
+            </a:extLst>
+          </p:cNvPr>
+          <p:cNvPicPr>
+            <a:picLocks noChangeAspect="1"/>
+          </p:cNvPicPr>
+          <p:nvPr/>
+        </p:nvPicPr>
+        <p:blipFill>
+          <a:blip r:embed="rId16">
+            <a:extLst>
+              <a:ext uri="{96DAC541-7B7A-43D3-8B79-37D633B846F1}">
+                <asvg:svgBlip xmlns:asvg="http://schemas.microsoft.com/office/drawing/2016/SVG/main" r:embed="rId17"/>
+              </a:ext>
+            </a:extLst>
+          </a:blip>
+          <a:stretch>
+            <a:fillRect/>
+          </a:stretch>
+        </p:blipFill>
+        <p:spPr>
+          <a:xfrm>
+            <a:off x="3542258" y="9106949"/>
+            <a:ext cx="129367" cy="129367"/>
+          </a:xfrm>
+          <a:prstGeom prst="rect">
+            <a:avLst/>
+          </a:prstGeom>
+        </p:spPr>
+      </p:pic>
+      <p:pic>
+        <p:nvPicPr>
+          <p:cNvPr id="200" name="Graphic 199" descr="Star with solid fill">
+            <a:extLst>
+              <a:ext uri="{FF2B5EF4-FFF2-40B4-BE49-F238E27FC236}">
+                <a16:creationId xmlns:a16="http://schemas.microsoft.com/office/drawing/2014/main" id="{6274FDF5-A82A-1A48-B237-93233D132B34}"/>
+              </a:ext>
+            </a:extLst>
+          </p:cNvPr>
+          <p:cNvPicPr>
+            <a:picLocks noChangeAspect="1"/>
+          </p:cNvPicPr>
+          <p:nvPr/>
+        </p:nvPicPr>
+        <p:blipFill>
+          <a:blip r:embed="rId16">
+            <a:extLst>
+              <a:ext uri="{96DAC541-7B7A-43D3-8B79-37D633B846F1}">
+                <asvg:svgBlip xmlns:asvg="http://schemas.microsoft.com/office/drawing/2016/SVG/main" r:embed="rId17"/>
+              </a:ext>
+            </a:extLst>
+          </a:blip>
+          <a:stretch>
+            <a:fillRect/>
+          </a:stretch>
+        </p:blipFill>
+        <p:spPr>
+          <a:xfrm>
+            <a:off x="6361474" y="7299570"/>
+            <a:ext cx="129367" cy="129367"/>
+          </a:xfrm>
+          <a:prstGeom prst="rect">
+            <a:avLst/>
+          </a:prstGeom>
+        </p:spPr>
+      </p:pic>
+      <p:pic>
+        <p:nvPicPr>
+          <p:cNvPr id="201" name="Graphic 200" descr="Star with solid fill">
+            <a:extLst>
+              <a:ext uri="{FF2B5EF4-FFF2-40B4-BE49-F238E27FC236}">
+                <a16:creationId xmlns:a16="http://schemas.microsoft.com/office/drawing/2014/main" id="{F9FDEA6A-A498-284B-8399-83B1A04FC34F}"/>
+              </a:ext>
+            </a:extLst>
+          </p:cNvPr>
+          <p:cNvPicPr>
+            <a:picLocks noChangeAspect="1"/>
+          </p:cNvPicPr>
+          <p:nvPr/>
+        </p:nvPicPr>
+        <p:blipFill>
+          <a:blip r:embed="rId16">
+            <a:extLst>
+              <a:ext uri="{96DAC541-7B7A-43D3-8B79-37D633B846F1}">
+                <asvg:svgBlip xmlns:asvg="http://schemas.microsoft.com/office/drawing/2016/SVG/main" r:embed="rId17"/>
+              </a:ext>
+            </a:extLst>
+          </a:blip>
+          <a:stretch>
+            <a:fillRect/>
+          </a:stretch>
+        </p:blipFill>
+        <p:spPr>
+          <a:xfrm>
+            <a:off x="6474645" y="7299569"/>
+            <a:ext cx="129367" cy="129367"/>
+          </a:xfrm>
+          <a:prstGeom prst="rect">
+            <a:avLst/>
+          </a:prstGeom>
+        </p:spPr>
+      </p:pic>
+      <p:pic>
+        <p:nvPicPr>
+          <p:cNvPr id="202" name="Graphic 201" descr="Star with solid fill">
+            <a:extLst>
+              <a:ext uri="{FF2B5EF4-FFF2-40B4-BE49-F238E27FC236}">
+                <a16:creationId xmlns:a16="http://schemas.microsoft.com/office/drawing/2014/main" id="{8C3FEA65-DD1C-A54B-98BA-9E3BE6C4DE68}"/>
+              </a:ext>
+            </a:extLst>
+          </p:cNvPr>
+          <p:cNvPicPr>
+            <a:picLocks noChangeAspect="1"/>
+          </p:cNvPicPr>
+          <p:nvPr/>
+        </p:nvPicPr>
+        <p:blipFill>
+          <a:blip r:embed="rId16">
+            <a:extLst>
+              <a:ext uri="{96DAC541-7B7A-43D3-8B79-37D633B846F1}">
+                <asvg:svgBlip xmlns:asvg="http://schemas.microsoft.com/office/drawing/2016/SVG/main" r:embed="rId17"/>
+              </a:ext>
+            </a:extLst>
+          </a:blip>
+          <a:stretch>
+            <a:fillRect/>
+          </a:stretch>
+        </p:blipFill>
+        <p:spPr>
+          <a:xfrm>
+            <a:off x="6587816" y="7298544"/>
+            <a:ext cx="129367" cy="129367"/>
+          </a:xfrm>
+          <a:prstGeom prst="rect">
+            <a:avLst/>
+          </a:prstGeom>
+        </p:spPr>
+      </p:pic>
+      <p:pic>
+        <p:nvPicPr>
+          <p:cNvPr id="203" name="Graphic 202" descr="Star with solid fill">
+            <a:extLst>
+              <a:ext uri="{FF2B5EF4-FFF2-40B4-BE49-F238E27FC236}">
+                <a16:creationId xmlns:a16="http://schemas.microsoft.com/office/drawing/2014/main" id="{F179F5BB-AC39-8843-BCD0-BAE1A257BD85}"/>
+              </a:ext>
+            </a:extLst>
+          </p:cNvPr>
+          <p:cNvPicPr>
+            <a:picLocks noChangeAspect="1"/>
+          </p:cNvPicPr>
+          <p:nvPr/>
+        </p:nvPicPr>
+        <p:blipFill>
+          <a:blip r:embed="rId16">
+            <a:extLst>
+              <a:ext uri="{96DAC541-7B7A-43D3-8B79-37D633B846F1}">
+                <asvg:svgBlip xmlns:asvg="http://schemas.microsoft.com/office/drawing/2016/SVG/main" r:embed="rId17"/>
+              </a:ext>
+            </a:extLst>
+          </a:blip>
+          <a:stretch>
+            <a:fillRect/>
+          </a:stretch>
+        </p:blipFill>
+        <p:spPr>
+          <a:xfrm>
+            <a:off x="296200" y="9102010"/>
+            <a:ext cx="129367" cy="129367"/>
+          </a:xfrm>
+          <a:prstGeom prst="rect">
+            <a:avLst/>
+          </a:prstGeom>
+        </p:spPr>
+      </p:pic>
+      <p:pic>
+        <p:nvPicPr>
+          <p:cNvPr id="204" name="Graphic 203" descr="Star with solid fill">
+            <a:extLst>
+              <a:ext uri="{FF2B5EF4-FFF2-40B4-BE49-F238E27FC236}">
+                <a16:creationId xmlns:a16="http://schemas.microsoft.com/office/drawing/2014/main" id="{465C3F35-836E-6B40-8DD2-D19839E184C0}"/>
+              </a:ext>
+            </a:extLst>
+          </p:cNvPr>
+          <p:cNvPicPr>
+            <a:picLocks noChangeAspect="1"/>
+          </p:cNvPicPr>
+          <p:nvPr/>
+        </p:nvPicPr>
+        <p:blipFill>
+          <a:blip r:embed="rId16">
+            <a:extLst>
+              <a:ext uri="{96DAC541-7B7A-43D3-8B79-37D633B846F1}">
+                <asvg:svgBlip xmlns:asvg="http://schemas.microsoft.com/office/drawing/2016/SVG/main" r:embed="rId17"/>
+              </a:ext>
+            </a:extLst>
+          </a:blip>
+          <a:stretch>
+            <a:fillRect/>
+          </a:stretch>
+        </p:blipFill>
+        <p:spPr>
+          <a:xfrm>
+            <a:off x="416881" y="9107615"/>
+            <a:ext cx="129367" cy="129367"/>
+          </a:xfrm>
+          <a:prstGeom prst="rect">
+            <a:avLst/>
+          </a:prstGeom>
+        </p:spPr>
+      </p:pic>
     </p:spTree>
     <p:extLst>
       <p:ext uri="{BB962C8B-B14F-4D97-AF65-F5344CB8AC3E}">

--- a/plot/3.3 trend-nw.pptx
+++ b/plot/3.3 trend-nw.pptx
@@ -788,14 +788,13 @@
         <c:axPos val="l"/>
         <c:majorGridlines>
           <c:spPr>
-            <a:ln w="9525" cap="flat" cmpd="sng" algn="ctr">
+            <a:ln w="9525">
               <a:solidFill>
                 <a:schemeClr val="tx1">
                   <a:lumMod val="15000"/>
                   <a:lumOff val="85000"/>
                 </a:schemeClr>
               </a:solidFill>
-              <a:round/>
             </a:ln>
             <a:effectLst/>
           </c:spPr>
@@ -8121,7 +8120,7 @@
           <a:p>
             <a:fld id="{67F084C0-E82A-1C43-868B-5C2DB04CF991}" type="datetimeFigureOut">
               <a:rPr lang="en-US" smtClean="0"/>
-              <a:t>3/8/21</a:t>
+              <a:t>3/29/21</a:t>
             </a:fld>
             <a:endParaRPr lang="en-US"/>
           </a:p>
@@ -8418,8 +8417,8 @@
         </p:nvSpPr>
         <p:spPr>
           <a:xfrm>
-            <a:off x="2560638" y="1143000"/>
-            <a:ext cx="1736725" cy="3086100"/>
+            <a:off x="2562225" y="1143000"/>
+            <a:ext cx="1733550" cy="3086100"/>
           </a:xfrm>
         </p:spPr>
       </p:sp>
@@ -8470,7 +8469,7 @@
             </a:pPr>
             <a:r>
               <a:rPr lang="en-US" dirty="0"/>
-              <a:t>Time period in the middle – peak seasons</a:t>
+              <a:t>Time period in the middle – peak </a:t>
             </a:r>
           </a:p>
           <a:p>
@@ -8546,7 +8545,7 @@
         </p:nvSpPr>
         <p:spPr>
           <a:xfrm>
-            <a:off x="514350" y="1995312"/>
+            <a:off x="514350" y="1995313"/>
             <a:ext cx="5829300" cy="4244622"/>
           </a:xfrm>
         </p:spPr>
@@ -8578,7 +8577,7 @@
         </p:nvSpPr>
         <p:spPr>
           <a:xfrm>
-            <a:off x="857250" y="6403625"/>
+            <a:off x="857250" y="6403626"/>
             <a:ext cx="5143500" cy="2943577"/>
           </a:xfrm>
         </p:spPr>
@@ -8648,7 +8647,7 @@
           <a:p>
             <a:fld id="{AF033D3E-90B3-D942-91BE-BBE387F5124C}" type="datetimeFigureOut">
               <a:rPr lang="en-US" smtClean="0"/>
-              <a:t>3/8/21</a:t>
+              <a:t>3/29/21</a:t>
             </a:fld>
             <a:endParaRPr lang="en-US"/>
           </a:p>
@@ -8818,7 +8817,7 @@
           <a:p>
             <a:fld id="{AF033D3E-90B3-D942-91BE-BBE387F5124C}" type="datetimeFigureOut">
               <a:rPr lang="en-US" smtClean="0"/>
-              <a:t>3/8/21</a:t>
+              <a:t>3/29/21</a:t>
             </a:fld>
             <a:endParaRPr lang="en-US"/>
           </a:p>
@@ -8998,7 +8997,7 @@
           <a:p>
             <a:fld id="{AF033D3E-90B3-D942-91BE-BBE387F5124C}" type="datetimeFigureOut">
               <a:rPr lang="en-US" smtClean="0"/>
-              <a:t>3/8/21</a:t>
+              <a:t>3/29/21</a:t>
             </a:fld>
             <a:endParaRPr lang="en-US"/>
           </a:p>
@@ -9168,7 +9167,7 @@
           <a:p>
             <a:fld id="{AF033D3E-90B3-D942-91BE-BBE387F5124C}" type="datetimeFigureOut">
               <a:rPr lang="en-US" smtClean="0"/>
-              <a:t>3/8/21</a:t>
+              <a:t>3/29/21</a:t>
             </a:fld>
             <a:endParaRPr lang="en-US"/>
           </a:p>
@@ -9258,7 +9257,7 @@
         </p:nvSpPr>
         <p:spPr>
           <a:xfrm>
-            <a:off x="467916" y="3039537"/>
+            <a:off x="467918" y="3039537"/>
             <a:ext cx="5915025" cy="5071532"/>
           </a:xfrm>
         </p:spPr>
@@ -9290,7 +9289,7 @@
         </p:nvSpPr>
         <p:spPr>
           <a:xfrm>
-            <a:off x="467916" y="8159050"/>
+            <a:off x="467918" y="8159051"/>
             <a:ext cx="5915025" cy="2666999"/>
           </a:xfrm>
         </p:spPr>
@@ -9412,7 +9411,7 @@
           <a:p>
             <a:fld id="{AF033D3E-90B3-D942-91BE-BBE387F5124C}" type="datetimeFigureOut">
               <a:rPr lang="en-US" smtClean="0"/>
-              <a:t>3/8/21</a:t>
+              <a:t>3/29/21</a:t>
             </a:fld>
             <a:endParaRPr lang="en-US"/>
           </a:p>
@@ -9644,7 +9643,7 @@
           <a:p>
             <a:fld id="{AF033D3E-90B3-D942-91BE-BBE387F5124C}" type="datetimeFigureOut">
               <a:rPr lang="en-US" smtClean="0"/>
-              <a:t>3/8/21</a:t>
+              <a:t>3/29/21</a:t>
             </a:fld>
             <a:endParaRPr lang="en-US"/>
           </a:p>
@@ -9734,7 +9733,7 @@
         </p:nvSpPr>
         <p:spPr>
           <a:xfrm>
-            <a:off x="472381" y="649114"/>
+            <a:off x="472383" y="649114"/>
             <a:ext cx="5915025" cy="2356556"/>
           </a:xfrm>
         </p:spPr>
@@ -9762,7 +9761,7 @@
         </p:nvSpPr>
         <p:spPr>
           <a:xfrm>
-            <a:off x="472382" y="2988734"/>
+            <a:off x="472384" y="2988734"/>
             <a:ext cx="2901255" cy="1464732"/>
           </a:xfrm>
         </p:spPr>
@@ -9827,7 +9826,7 @@
         </p:nvSpPr>
         <p:spPr>
           <a:xfrm>
-            <a:off x="472382" y="4453469"/>
+            <a:off x="472384" y="4453470"/>
             <a:ext cx="2901255" cy="6550379"/>
           </a:xfrm>
         </p:spPr>
@@ -9884,7 +9883,7 @@
         </p:nvSpPr>
         <p:spPr>
           <a:xfrm>
-            <a:off x="3471864" y="2988734"/>
+            <a:off x="3471866" y="2988734"/>
             <a:ext cx="2915543" cy="1464732"/>
           </a:xfrm>
         </p:spPr>
@@ -9949,7 +9948,7 @@
         </p:nvSpPr>
         <p:spPr>
           <a:xfrm>
-            <a:off x="3471864" y="4453469"/>
+            <a:off x="3471866" y="4453470"/>
             <a:ext cx="2915543" cy="6550379"/>
           </a:xfrm>
         </p:spPr>
@@ -10011,7 +10010,7 @@
           <a:p>
             <a:fld id="{AF033D3E-90B3-D942-91BE-BBE387F5124C}" type="datetimeFigureOut">
               <a:rPr lang="en-US" smtClean="0"/>
-              <a:t>3/8/21</a:t>
+              <a:t>3/29/21</a:t>
             </a:fld>
             <a:endParaRPr lang="en-US"/>
           </a:p>
@@ -10129,7 +10128,7 @@
           <a:p>
             <a:fld id="{AF033D3E-90B3-D942-91BE-BBE387F5124C}" type="datetimeFigureOut">
               <a:rPr lang="en-US" smtClean="0"/>
-              <a:t>3/8/21</a:t>
+              <a:t>3/29/21</a:t>
             </a:fld>
             <a:endParaRPr lang="en-US"/>
           </a:p>
@@ -10224,7 +10223,7 @@
           <a:p>
             <a:fld id="{AF033D3E-90B3-D942-91BE-BBE387F5124C}" type="datetimeFigureOut">
               <a:rPr lang="en-US" smtClean="0"/>
-              <a:t>3/8/21</a:t>
+              <a:t>3/29/21</a:t>
             </a:fld>
             <a:endParaRPr lang="en-US"/>
           </a:p>
@@ -10346,7 +10345,7 @@
         </p:nvSpPr>
         <p:spPr>
           <a:xfrm>
-            <a:off x="2915544" y="1755425"/>
+            <a:off x="2915546" y="1755425"/>
             <a:ext cx="3471863" cy="8664222"/>
           </a:xfrm>
         </p:spPr>
@@ -10501,7 +10500,7 @@
           <a:p>
             <a:fld id="{AF033D3E-90B3-D942-91BE-BBE387F5124C}" type="datetimeFigureOut">
               <a:rPr lang="en-US" smtClean="0"/>
-              <a:t>3/8/21</a:t>
+              <a:t>3/29/21</a:t>
             </a:fld>
             <a:endParaRPr lang="en-US"/>
           </a:p>
@@ -10623,7 +10622,7 @@
         </p:nvSpPr>
         <p:spPr>
           <a:xfrm>
-            <a:off x="2915544" y="1755425"/>
+            <a:off x="2915546" y="1755425"/>
             <a:ext cx="3471863" cy="8664222"/>
           </a:xfrm>
         </p:spPr>
@@ -10758,7 +10757,7 @@
           <a:p>
             <a:fld id="{AF033D3E-90B3-D942-91BE-BBE387F5124C}" type="datetimeFigureOut">
               <a:rPr lang="en-US" smtClean="0"/>
-              <a:t>3/8/21</a:t>
+              <a:t>3/29/21</a:t>
             </a:fld>
             <a:endParaRPr lang="en-US"/>
           </a:p>
@@ -10853,7 +10852,7 @@
         </p:nvSpPr>
         <p:spPr>
           <a:xfrm>
-            <a:off x="471488" y="649114"/>
+            <a:off x="471490" y="649114"/>
             <a:ext cx="5915025" cy="2356556"/>
           </a:xfrm>
           <a:prstGeom prst="rect">
@@ -10886,7 +10885,7 @@
         </p:nvSpPr>
         <p:spPr>
           <a:xfrm>
-            <a:off x="471488" y="3245556"/>
+            <a:off x="471490" y="3245556"/>
             <a:ext cx="5915025" cy="7735712"/>
           </a:xfrm>
           <a:prstGeom prst="rect">
@@ -10948,7 +10947,7 @@
         </p:nvSpPr>
         <p:spPr>
           <a:xfrm>
-            <a:off x="471488" y="11300183"/>
+            <a:off x="471488" y="11300184"/>
             <a:ext cx="1543050" cy="649111"/>
           </a:xfrm>
           <a:prstGeom prst="rect">
@@ -10971,7 +10970,7 @@
           <a:p>
             <a:fld id="{AF033D3E-90B3-D942-91BE-BBE387F5124C}" type="datetimeFigureOut">
               <a:rPr lang="en-US" smtClean="0"/>
-              <a:t>3/8/21</a:t>
+              <a:t>3/29/21</a:t>
             </a:fld>
             <a:endParaRPr lang="en-US"/>
           </a:p>
@@ -10989,7 +10988,7 @@
         </p:nvSpPr>
         <p:spPr>
           <a:xfrm>
-            <a:off x="2271713" y="11300183"/>
+            <a:off x="2271715" y="11300184"/>
             <a:ext cx="2314575" cy="649111"/>
           </a:xfrm>
           <a:prstGeom prst="rect">
@@ -11026,7 +11025,7 @@
         </p:nvSpPr>
         <p:spPr>
           <a:xfrm>
-            <a:off x="4843463" y="11300183"/>
+            <a:off x="4843463" y="11300184"/>
             <a:ext cx="1543050" cy="649111"/>
           </a:xfrm>
           <a:prstGeom prst="rect">
@@ -11391,13 +11390,13 @@
           <p:nvPr>
             <p:extLst>
               <p:ext uri="{D42A27DB-BD31-4B8C-83A1-F6EECF244321}">
-                <p14:modId xmlns:p14="http://schemas.microsoft.com/office/powerpoint/2010/main" val="4063215322"/>
+                <p14:modId xmlns:p14="http://schemas.microsoft.com/office/powerpoint/2010/main" val="2034642821"/>
               </p:ext>
             </p:extLst>
           </p:nvPr>
         </p:nvGraphicFramePr>
         <p:xfrm>
-          <a:off x="3402176" y="-25478"/>
+          <a:off x="3402178" y="-25478"/>
           <a:ext cx="3429001" cy="1682496"/>
         </p:xfrm>
         <a:graphic>
@@ -11570,7 +11569,7 @@
         </p:nvGrpSpPr>
         <p:grpSpPr>
           <a:xfrm>
-            <a:off x="0" y="0"/>
+            <a:off x="0" y="2"/>
             <a:ext cx="3429000" cy="1718523"/>
             <a:chOff x="0" y="0"/>
             <a:chExt cx="3429000" cy="1718523"/>
@@ -12720,7 +12719,7 @@
         </p:nvGrpSpPr>
         <p:grpSpPr>
           <a:xfrm>
-            <a:off x="213674" y="3947889"/>
+            <a:off x="213676" y="3947891"/>
             <a:ext cx="3039511" cy="1261323"/>
             <a:chOff x="265993" y="457200"/>
             <a:chExt cx="3039511" cy="1261323"/>
@@ -13244,7 +13243,7 @@
         </p:nvGrpSpPr>
         <p:grpSpPr>
           <a:xfrm>
-            <a:off x="223063" y="5693670"/>
+            <a:off x="223065" y="5693672"/>
             <a:ext cx="3039511" cy="1261323"/>
             <a:chOff x="265993" y="457200"/>
             <a:chExt cx="3039511" cy="1261323"/>
@@ -13768,7 +13767,7 @@
         </p:nvGrpSpPr>
         <p:grpSpPr>
           <a:xfrm>
-            <a:off x="269898" y="7451821"/>
+            <a:off x="269900" y="7451823"/>
             <a:ext cx="3039511" cy="1261323"/>
             <a:chOff x="265993" y="457200"/>
             <a:chExt cx="3039511" cy="1261323"/>
@@ -14292,7 +14291,7 @@
         </p:nvGrpSpPr>
         <p:grpSpPr>
           <a:xfrm>
-            <a:off x="243553" y="9243587"/>
+            <a:off x="243555" y="9243589"/>
             <a:ext cx="3039511" cy="1261323"/>
             <a:chOff x="265993" y="457200"/>
             <a:chExt cx="3039511" cy="1261323"/>
@@ -14816,7 +14815,7 @@
         </p:nvGrpSpPr>
         <p:grpSpPr>
           <a:xfrm>
-            <a:off x="251733" y="10941816"/>
+            <a:off x="251735" y="10941818"/>
             <a:ext cx="3039511" cy="1261323"/>
             <a:chOff x="265993" y="457200"/>
             <a:chExt cx="3039511" cy="1261323"/>
@@ -15864,7 +15863,7 @@
         </p:nvGrpSpPr>
         <p:grpSpPr>
           <a:xfrm>
-            <a:off x="3402176" y="1696935"/>
+            <a:off x="3402178" y="1696937"/>
             <a:ext cx="3429001" cy="1723069"/>
             <a:chOff x="3402176" y="1696935"/>
             <a:chExt cx="3429001" cy="1723069"/>
@@ -16439,7 +16438,7 @@
         </p:nvGrpSpPr>
         <p:grpSpPr>
           <a:xfrm>
-            <a:off x="3402176" y="3451952"/>
+            <a:off x="3402176" y="3451954"/>
             <a:ext cx="3429000" cy="1726293"/>
             <a:chOff x="3317931" y="3470542"/>
             <a:chExt cx="3429000" cy="1726293"/>
@@ -16460,7 +16459,7 @@
             <p:nvPr>
               <p:extLst>
                 <p:ext uri="{D42A27DB-BD31-4B8C-83A1-F6EECF244321}">
-                  <p14:modId xmlns:p14="http://schemas.microsoft.com/office/powerpoint/2010/main" val="1704794933"/>
+                  <p14:modId xmlns:p14="http://schemas.microsoft.com/office/powerpoint/2010/main" val="3791742750"/>
                 </p:ext>
               </p:extLst>
             </p:nvPr>
@@ -17014,7 +17013,7 @@
         </p:nvGrpSpPr>
         <p:grpSpPr>
           <a:xfrm>
-            <a:off x="3374318" y="5216799"/>
+            <a:off x="3374318" y="5216801"/>
             <a:ext cx="3429000" cy="1733029"/>
             <a:chOff x="3374318" y="5216799"/>
             <a:chExt cx="3429000" cy="1733029"/>
@@ -17589,7 +17588,7 @@
         </p:nvGrpSpPr>
         <p:grpSpPr>
           <a:xfrm>
-            <a:off x="3416587" y="6954993"/>
+            <a:off x="3416587" y="6954995"/>
             <a:ext cx="3430800" cy="1722413"/>
             <a:chOff x="3416587" y="6954993"/>
             <a:chExt cx="3430800" cy="1722413"/>
@@ -18164,7 +18163,7 @@
         </p:nvGrpSpPr>
         <p:grpSpPr>
           <a:xfrm>
-            <a:off x="3416587" y="8759308"/>
+            <a:off x="3416587" y="8759310"/>
             <a:ext cx="3430800" cy="1725509"/>
             <a:chOff x="3416587" y="8759308"/>
             <a:chExt cx="3430800" cy="1725509"/>
@@ -18753,7 +18752,7 @@
         </p:blipFill>
         <p:spPr>
           <a:xfrm>
-            <a:off x="305514" y="2058511"/>
+            <a:off x="305516" y="2058513"/>
             <a:ext cx="129367" cy="129367"/>
           </a:xfrm>
           <a:prstGeom prst="rect">
@@ -18789,7 +18788,7 @@
         </p:blipFill>
         <p:spPr>
           <a:xfrm>
-            <a:off x="4128558" y="2040667"/>
+            <a:off x="4128560" y="2040669"/>
             <a:ext cx="129367" cy="129367"/>
           </a:xfrm>
           <a:prstGeom prst="rect">
@@ -18825,7 +18824,7 @@
         </p:blipFill>
         <p:spPr>
           <a:xfrm>
-            <a:off x="5744731" y="2044148"/>
+            <a:off x="5744733" y="2044150"/>
             <a:ext cx="129367" cy="129367"/>
           </a:xfrm>
           <a:prstGeom prst="rect">
@@ -18861,7 +18860,7 @@
         </p:blipFill>
         <p:spPr>
           <a:xfrm>
-            <a:off x="6529775" y="3789540"/>
+            <a:off x="6529777" y="3789542"/>
             <a:ext cx="129367" cy="129367"/>
           </a:xfrm>
           <a:prstGeom prst="rect">
@@ -18897,7 +18896,7 @@
         </p:blipFill>
         <p:spPr>
           <a:xfrm>
-            <a:off x="6418413" y="5564303"/>
+            <a:off x="6418415" y="5564305"/>
             <a:ext cx="129367" cy="129367"/>
           </a:xfrm>
           <a:prstGeom prst="rect">
@@ -18933,7 +18932,7 @@
         </p:blipFill>
         <p:spPr>
           <a:xfrm>
-            <a:off x="743147" y="7322454"/>
+            <a:off x="743149" y="7322456"/>
             <a:ext cx="129367" cy="129367"/>
           </a:xfrm>
           <a:prstGeom prst="rect">
@@ -18969,7 +18968,7 @@
         </p:blipFill>
         <p:spPr>
           <a:xfrm>
-            <a:off x="2808829" y="7321381"/>
+            <a:off x="2808831" y="7321383"/>
             <a:ext cx="129367" cy="129367"/>
           </a:xfrm>
           <a:prstGeom prst="rect">
@@ -19005,7 +19004,7 @@
         </p:blipFill>
         <p:spPr>
           <a:xfrm>
-            <a:off x="6547780" y="9124102"/>
+            <a:off x="6547782" y="9124104"/>
             <a:ext cx="129367" cy="129367"/>
           </a:xfrm>
           <a:prstGeom prst="rect">
@@ -19041,7 +19040,7 @@
         </p:blipFill>
         <p:spPr>
           <a:xfrm>
-            <a:off x="666132" y="10822521"/>
+            <a:off x="666134" y="10822523"/>
             <a:ext cx="129367" cy="129367"/>
           </a:xfrm>
           <a:prstGeom prst="rect">
@@ -19063,8 +19062,8 @@
         </p:nvSpPr>
         <p:spPr>
           <a:xfrm>
-            <a:off x="2586264" y="4779221"/>
-            <a:ext cx="3423651" cy="225417"/>
+            <a:off x="3535545" y="4779223"/>
+            <a:ext cx="2474372" cy="214547"/>
           </a:xfrm>
           <a:prstGeom prst="rect">
             <a:avLst/>
@@ -19122,7 +19121,7 @@
         </p:nvSpPr>
         <p:spPr>
           <a:xfrm>
-            <a:off x="3687898" y="4781600"/>
+            <a:off x="4337207" y="4772007"/>
             <a:ext cx="909972" cy="230832"/>
           </a:xfrm>
           <a:prstGeom prst="rect">
@@ -19164,7 +19163,7 @@
         </p:nvSpPr>
         <p:spPr>
           <a:xfrm>
-            <a:off x="807592" y="11802781"/>
+            <a:off x="807594" y="11802783"/>
             <a:ext cx="2445593" cy="204041"/>
           </a:xfrm>
           <a:prstGeom prst="rect">
@@ -19265,7 +19264,7 @@
         </p:nvSpPr>
         <p:spPr>
           <a:xfrm>
-            <a:off x="1924993" y="3016394"/>
+            <a:off x="1924995" y="3016396"/>
             <a:ext cx="505069" cy="224969"/>
           </a:xfrm>
           <a:prstGeom prst="rect">
@@ -19324,7 +19323,7 @@
         </p:nvSpPr>
         <p:spPr>
           <a:xfrm flipV="1">
-            <a:off x="1294238" y="4779219"/>
+            <a:off x="1294238" y="4779221"/>
             <a:ext cx="624516" cy="226333"/>
           </a:xfrm>
           <a:prstGeom prst="rect">
@@ -19397,7 +19396,7 @@
         </p:blipFill>
         <p:spPr>
           <a:xfrm>
-            <a:off x="2848389" y="9106949"/>
+            <a:off x="2848391" y="9106951"/>
             <a:ext cx="129367" cy="129367"/>
           </a:xfrm>
           <a:prstGeom prst="rect">
@@ -19433,7 +19432,7 @@
         </p:blipFill>
         <p:spPr>
           <a:xfrm>
-            <a:off x="2981836" y="9114135"/>
+            <a:off x="2981838" y="9114137"/>
             <a:ext cx="129367" cy="129367"/>
           </a:xfrm>
           <a:prstGeom prst="rect">
@@ -19469,7 +19468,7 @@
         </p:blipFill>
         <p:spPr>
           <a:xfrm>
-            <a:off x="3112787" y="9117266"/>
+            <a:off x="3112789" y="9117268"/>
             <a:ext cx="129367" cy="129367"/>
           </a:xfrm>
           <a:prstGeom prst="rect">
@@ -19505,7 +19504,7 @@
         </p:blipFill>
         <p:spPr>
           <a:xfrm>
-            <a:off x="3542258" y="9106949"/>
+            <a:off x="3542260" y="9106951"/>
             <a:ext cx="129367" cy="129367"/>
           </a:xfrm>
           <a:prstGeom prst="rect">
@@ -19541,7 +19540,7 @@
         </p:blipFill>
         <p:spPr>
           <a:xfrm>
-            <a:off x="6361474" y="7299570"/>
+            <a:off x="6361476" y="7299572"/>
             <a:ext cx="129367" cy="129367"/>
           </a:xfrm>
           <a:prstGeom prst="rect">
@@ -19577,7 +19576,7 @@
         </p:blipFill>
         <p:spPr>
           <a:xfrm>
-            <a:off x="6474645" y="7299569"/>
+            <a:off x="6474647" y="7299571"/>
             <a:ext cx="129367" cy="129367"/>
           </a:xfrm>
           <a:prstGeom prst="rect">
@@ -19613,7 +19612,7 @@
         </p:blipFill>
         <p:spPr>
           <a:xfrm>
-            <a:off x="6587816" y="7298544"/>
+            <a:off x="6587818" y="7298546"/>
             <a:ext cx="129367" cy="129367"/>
           </a:xfrm>
           <a:prstGeom prst="rect">
@@ -19649,7 +19648,7 @@
         </p:blipFill>
         <p:spPr>
           <a:xfrm>
-            <a:off x="296200" y="9102010"/>
+            <a:off x="296202" y="9102012"/>
             <a:ext cx="129367" cy="129367"/>
           </a:xfrm>
           <a:prstGeom prst="rect">
@@ -19685,7 +19684,7 @@
         </p:blipFill>
         <p:spPr>
           <a:xfrm>
-            <a:off x="416881" y="9107615"/>
+            <a:off x="416883" y="9107617"/>
             <a:ext cx="129367" cy="129367"/>
           </a:xfrm>
           <a:prstGeom prst="rect">
@@ -19693,6 +19692,101 @@
           </a:prstGeom>
         </p:spPr>
       </p:pic>
+      <p:pic>
+        <p:nvPicPr>
+          <p:cNvPr id="205" name="Graphic 204" descr="Star with solid fill">
+            <a:extLst>
+              <a:ext uri="{FF2B5EF4-FFF2-40B4-BE49-F238E27FC236}">
+                <a16:creationId xmlns:a16="http://schemas.microsoft.com/office/drawing/2014/main" id="{3806883B-A168-634E-BDFA-60D641D5DC59}"/>
+              </a:ext>
+            </a:extLst>
+          </p:cNvPr>
+          <p:cNvPicPr>
+            <a:picLocks noChangeAspect="1"/>
+          </p:cNvPicPr>
+          <p:nvPr/>
+        </p:nvPicPr>
+        <p:blipFill>
+          <a:blip r:embed="rId16">
+            <a:extLst>
+              <a:ext uri="{96DAC541-7B7A-43D3-8B79-37D633B846F1}">
+                <asvg:svgBlip xmlns:asvg="http://schemas.microsoft.com/office/drawing/2016/SVG/main" r:embed="rId17"/>
+              </a:ext>
+            </a:extLst>
+          </a:blip>
+          <a:stretch>
+            <a:fillRect/>
+          </a:stretch>
+        </p:blipFill>
+        <p:spPr>
+          <a:xfrm>
+            <a:off x="4892992" y="9114137"/>
+            <a:ext cx="129367" cy="129367"/>
+          </a:xfrm>
+          <a:prstGeom prst="rect">
+            <a:avLst/>
+          </a:prstGeom>
+        </p:spPr>
+      </p:pic>
+      <p:sp>
+        <p:nvSpPr>
+          <p:cNvPr id="206" name="Rectangle 205">
+            <a:extLst>
+              <a:ext uri="{FF2B5EF4-FFF2-40B4-BE49-F238E27FC236}">
+                <a16:creationId xmlns:a16="http://schemas.microsoft.com/office/drawing/2014/main" id="{FE3FCE29-886A-4642-A893-1A999D9A55ED}"/>
+              </a:ext>
+            </a:extLst>
+          </p:cNvPr>
+          <p:cNvSpPr/>
+          <p:nvPr/>
+        </p:nvSpPr>
+        <p:spPr>
+          <a:xfrm flipV="1">
+            <a:off x="2602594" y="4811039"/>
+            <a:ext cx="611688" cy="215443"/>
+          </a:xfrm>
+          <a:prstGeom prst="rect">
+            <a:avLst/>
+          </a:prstGeom>
+          <a:pattFill prst="smConfetti">
+            <a:fgClr>
+              <a:schemeClr val="bg2">
+                <a:lumMod val="50000"/>
+              </a:schemeClr>
+            </a:fgClr>
+            <a:bgClr>
+              <a:schemeClr val="bg1"/>
+            </a:bgClr>
+          </a:pattFill>
+          <a:ln>
+            <a:noFill/>
+          </a:ln>
+        </p:spPr>
+        <p:style>
+          <a:lnRef idx="2">
+            <a:schemeClr val="accent1">
+              <a:shade val="50000"/>
+            </a:schemeClr>
+          </a:lnRef>
+          <a:fillRef idx="1">
+            <a:schemeClr val="accent1"/>
+          </a:fillRef>
+          <a:effectRef idx="0">
+            <a:schemeClr val="accent1"/>
+          </a:effectRef>
+          <a:fontRef idx="minor">
+            <a:schemeClr val="lt1"/>
+          </a:fontRef>
+        </p:style>
+        <p:txBody>
+          <a:bodyPr rtlCol="0" anchor="ctr"/>
+          <a:lstStyle/>
+          <a:p>
+            <a:pPr algn="ctr"/>
+            <a:endParaRPr lang="en-US"/>
+          </a:p>
+        </p:txBody>
+      </p:sp>
     </p:spTree>
     <p:extLst>
       <p:ext uri="{BB962C8B-B14F-4D97-AF65-F5344CB8AC3E}">
